--- a/analysis/submitted_analyses/ProspectTheory_MaxMin_Choice_Parameters.pptx
+++ b/analysis/submitted_analyses/ProspectTheory_MaxMin_Choice_Parameters.pptx
@@ -243,7 +243,7 @@
           <a:p>
             <a:fld id="{CFC60B5F-2253-DF41-8690-61B53F1555CE}" type="datetimeFigureOut">
               <a:rPr lang="en-US" smtClean="0"/>
-              <a:t>6/14/24</a:t>
+              <a:t>6/16/24</a:t>
             </a:fld>
             <a:endParaRPr lang="en-US"/>
           </a:p>
@@ -413,7 +413,7 @@
           <a:p>
             <a:fld id="{CFC60B5F-2253-DF41-8690-61B53F1555CE}" type="datetimeFigureOut">
               <a:rPr lang="en-US" smtClean="0"/>
-              <a:t>6/14/24</a:t>
+              <a:t>6/16/24</a:t>
             </a:fld>
             <a:endParaRPr lang="en-US"/>
           </a:p>
@@ -593,7 +593,7 @@
           <a:p>
             <a:fld id="{CFC60B5F-2253-DF41-8690-61B53F1555CE}" type="datetimeFigureOut">
               <a:rPr lang="en-US" smtClean="0"/>
-              <a:t>6/14/24</a:t>
+              <a:t>6/16/24</a:t>
             </a:fld>
             <a:endParaRPr lang="en-US"/>
           </a:p>
@@ -763,7 +763,7 @@
           <a:p>
             <a:fld id="{CFC60B5F-2253-DF41-8690-61B53F1555CE}" type="datetimeFigureOut">
               <a:rPr lang="en-US" smtClean="0"/>
-              <a:t>6/14/24</a:t>
+              <a:t>6/16/24</a:t>
             </a:fld>
             <a:endParaRPr lang="en-US"/>
           </a:p>
@@ -1007,7 +1007,7 @@
           <a:p>
             <a:fld id="{CFC60B5F-2253-DF41-8690-61B53F1555CE}" type="datetimeFigureOut">
               <a:rPr lang="en-US" smtClean="0"/>
-              <a:t>6/14/24</a:t>
+              <a:t>6/16/24</a:t>
             </a:fld>
             <a:endParaRPr lang="en-US"/>
           </a:p>
@@ -1239,7 +1239,7 @@
           <a:p>
             <a:fld id="{CFC60B5F-2253-DF41-8690-61B53F1555CE}" type="datetimeFigureOut">
               <a:rPr lang="en-US" smtClean="0"/>
-              <a:t>6/14/24</a:t>
+              <a:t>6/16/24</a:t>
             </a:fld>
             <a:endParaRPr lang="en-US"/>
           </a:p>
@@ -1606,7 +1606,7 @@
           <a:p>
             <a:fld id="{CFC60B5F-2253-DF41-8690-61B53F1555CE}" type="datetimeFigureOut">
               <a:rPr lang="en-US" smtClean="0"/>
-              <a:t>6/14/24</a:t>
+              <a:t>6/16/24</a:t>
             </a:fld>
             <a:endParaRPr lang="en-US"/>
           </a:p>
@@ -1724,7 +1724,7 @@
           <a:p>
             <a:fld id="{CFC60B5F-2253-DF41-8690-61B53F1555CE}" type="datetimeFigureOut">
               <a:rPr lang="en-US" smtClean="0"/>
-              <a:t>6/14/24</a:t>
+              <a:t>6/16/24</a:t>
             </a:fld>
             <a:endParaRPr lang="en-US"/>
           </a:p>
@@ -1819,7 +1819,7 @@
           <a:p>
             <a:fld id="{CFC60B5F-2253-DF41-8690-61B53F1555CE}" type="datetimeFigureOut">
               <a:rPr lang="en-US" smtClean="0"/>
-              <a:t>6/14/24</a:t>
+              <a:t>6/16/24</a:t>
             </a:fld>
             <a:endParaRPr lang="en-US"/>
           </a:p>
@@ -2096,7 +2096,7 @@
           <a:p>
             <a:fld id="{CFC60B5F-2253-DF41-8690-61B53F1555CE}" type="datetimeFigureOut">
               <a:rPr lang="en-US" smtClean="0"/>
-              <a:t>6/14/24</a:t>
+              <a:t>6/16/24</a:t>
             </a:fld>
             <a:endParaRPr lang="en-US"/>
           </a:p>
@@ -2353,7 +2353,7 @@
           <a:p>
             <a:fld id="{CFC60B5F-2253-DF41-8690-61B53F1555CE}" type="datetimeFigureOut">
               <a:rPr lang="en-US" smtClean="0"/>
-              <a:t>6/14/24</a:t>
+              <a:t>6/16/24</a:t>
             </a:fld>
             <a:endParaRPr lang="en-US"/>
           </a:p>
@@ -2566,7 +2566,7 @@
           <a:p>
             <a:fld id="{CFC60B5F-2253-DF41-8690-61B53F1555CE}" type="datetimeFigureOut">
               <a:rPr lang="en-US" smtClean="0"/>
-              <a:t>6/14/24</a:t>
+              <a:t>6/16/24</a:t>
             </a:fld>
             <a:endParaRPr lang="en-US"/>
           </a:p>
@@ -2973,10 +2973,10 @@
       </p:grpSpPr>
       <p:pic>
         <p:nvPicPr>
-          <p:cNvPr id="12" name="Picture 11">
+          <p:cNvPr id="6" name="Picture 5">
             <a:extLst>
               <a:ext uri="{FF2B5EF4-FFF2-40B4-BE49-F238E27FC236}">
-                <a16:creationId xmlns:a16="http://schemas.microsoft.com/office/drawing/2014/main" id="{D4C31C1F-3B70-1534-B111-8EDDE1D92A0B}"/>
+                <a16:creationId xmlns:a16="http://schemas.microsoft.com/office/drawing/2014/main" id="{F109A10E-75E0-EE14-77F8-95F1A6127CA1}"/>
               </a:ext>
             </a:extLst>
           </p:cNvPr>
@@ -3003,10 +3003,10 @@
       </p:pic>
       <p:pic>
         <p:nvPicPr>
-          <p:cNvPr id="14" name="Picture 13">
+          <p:cNvPr id="13" name="Picture 12">
             <a:extLst>
               <a:ext uri="{FF2B5EF4-FFF2-40B4-BE49-F238E27FC236}">
-                <a16:creationId xmlns:a16="http://schemas.microsoft.com/office/drawing/2014/main" id="{6FA8CC57-70C9-0E1E-F8EA-79D4A184A294}"/>
+                <a16:creationId xmlns:a16="http://schemas.microsoft.com/office/drawing/2014/main" id="{6249AA58-3662-75CC-82C0-15C5929D1325}"/>
               </a:ext>
             </a:extLst>
           </p:cNvPr>
@@ -3023,7 +3023,7 @@
         </p:blipFill>
         <p:spPr>
           <a:xfrm>
-            <a:off x="7022782" y="4395433"/>
+            <a:off x="7022782" y="4379333"/>
             <a:ext cx="6583680" cy="4389120"/>
           </a:xfrm>
           <a:prstGeom prst="rect">
